--- a/class-tutorial/20161012/Week4-string.pptx
+++ b/class-tutorial/20161012/Week4-string.pptx
@@ -140,7 +140,7 @@
                 </a:uFill>
                 <a:latin typeface="Times New Roman"/>
               </a:rPr>
-              <a:t>&lt;頁首&gt;</a:t>
+              <a:t> </a:t>
             </a:r>
             <a:endParaRPr b="0" lang="en-US" sz="1400" spc="-1" strike="noStrike">
               <a:solidFill>
@@ -191,7 +191,7 @@
                 </a:uFill>
                 <a:latin typeface="Times New Roman"/>
               </a:rPr>
-              <a:t>&lt;日期/時間&gt;</a:t>
+              <a:t> </a:t>
             </a:r>
             <a:endParaRPr b="0" lang="en-US" sz="1400" spc="-1" strike="noStrike">
               <a:solidFill>
@@ -241,7 +241,7 @@
                 </a:uFill>
                 <a:latin typeface="Times New Roman"/>
               </a:rPr>
-              <a:t>&lt;頁尾&gt;</a:t>
+              <a:t> </a:t>
             </a:r>
             <a:endParaRPr b="0" lang="en-US" sz="1400" spc="-1" strike="noStrike">
               <a:solidFill>
@@ -280,7 +280,7 @@
           <a:bodyPr lIns="0" rIns="0" tIns="0" bIns="0" anchor="b"/>
           <a:p>
             <a:pPr algn="r"/>
-            <a:fld id="{F83966DE-D7E4-4107-9285-0B60B4D3E2BD}" type="slidenum">
+            <a:fld id="{D910E5D9-FC24-42CA-8120-2AE4F004E5EB}" type="slidenum">
               <a:rPr b="0" lang="en-US" sz="1400" spc="-1" strike="noStrike">
                 <a:solidFill>
                   <a:srgbClr val="000000"/>
@@ -292,7 +292,7 @@
                 </a:uFill>
                 <a:latin typeface="Times New Roman"/>
               </a:rPr>
-              <a:t>&lt;編號&gt;</a:t>
+              <a:t>1</a:t>
             </a:fld>
             <a:endParaRPr b="0" lang="en-US" sz="1400" spc="-1" strike="noStrike">
               <a:solidFill>
@@ -344,7 +344,7 @@
         <p:spPr>
           <a:xfrm>
             <a:off x="685800" y="4343400"/>
-            <a:ext cx="5485680" cy="4114080"/>
+            <a:ext cx="5485320" cy="4113720"/>
           </a:xfrm>
           <a:prstGeom prst="rect">
             <a:avLst/>
@@ -376,7 +376,7 @@
         <p:spPr>
           <a:xfrm>
             <a:off x="3884760" y="8685360"/>
-            <a:ext cx="2971080" cy="456480"/>
+            <a:ext cx="2970720" cy="456120"/>
           </a:xfrm>
           <a:prstGeom prst="rect">
             <a:avLst/>
@@ -3385,8 +3385,8 @@
         </p:nvSpPr>
         <p:spPr>
           <a:xfrm>
-            <a:off x="446760" y="116640"/>
-            <a:ext cx="8228880" cy="1123920"/>
+            <a:off x="457200" y="273600"/>
+            <a:ext cx="8228880" cy="1144440"/>
           </a:xfrm>
           <a:prstGeom prst="rect">
             <a:avLst/>
@@ -3423,7 +3423,7 @@
         <p:spPr>
           <a:xfrm>
             <a:off x="457200" y="1604520"/>
-            <a:ext cx="8229240" cy="3977280"/>
+            <a:ext cx="8228880" cy="3976920"/>
           </a:xfrm>
           <a:prstGeom prst="rect">
             <a:avLst/>
@@ -3441,7 +3441,7 @@
               <a:buChar char=""/>
             </a:pPr>
             <a:r>
-              <a:rPr b="0" lang="en-US" sz="3200" spc="-1" strike="noStrike">
+              <a:rPr b="0" lang="en-US" sz="1800" spc="-1" strike="noStrike">
                 <a:solidFill>
                   <a:srgbClr val="000000"/>
                 </a:solidFill>
@@ -3454,7 +3454,7 @@
               </a:rPr>
               <a:t>請按滑鼠，編輯大綱文字格式。</a:t>
             </a:r>
-            <a:endParaRPr b="0" lang="en-US" sz="3200" spc="-1" strike="noStrike">
+            <a:endParaRPr b="0" lang="en-US" sz="1800" spc="-1" strike="noStrike">
               <a:solidFill>
                 <a:srgbClr val="000000"/>
               </a:solidFill>
@@ -3476,7 +3476,7 @@
               <a:buChar char=""/>
             </a:pPr>
             <a:r>
-              <a:rPr b="0" lang="en-US" sz="2800" spc="-1" strike="noStrike">
+              <a:rPr b="0" lang="en-US" sz="1800" spc="-1" strike="noStrike">
                 <a:solidFill>
                   <a:srgbClr val="000000"/>
                 </a:solidFill>
@@ -3489,7 +3489,7 @@
               </a:rPr>
               <a:t>第二個大綱層次</a:t>
             </a:r>
-            <a:endParaRPr b="0" lang="en-US" sz="2800" spc="-1" strike="noStrike">
+            <a:endParaRPr b="0" lang="en-US" sz="1800" spc="-1" strike="noStrike">
               <a:solidFill>
                 <a:srgbClr val="000000"/>
               </a:solidFill>
@@ -3511,7 +3511,7 @@
               <a:buChar char=""/>
             </a:pPr>
             <a:r>
-              <a:rPr b="0" lang="en-US" sz="2400" spc="-1" strike="noStrike">
+              <a:rPr b="0" lang="en-US" sz="1800" spc="-1" strike="noStrike">
                 <a:solidFill>
                   <a:srgbClr val="000000"/>
                 </a:solidFill>
@@ -3524,7 +3524,7 @@
               </a:rPr>
               <a:t>第三個大綱層次</a:t>
             </a:r>
-            <a:endParaRPr b="0" lang="en-US" sz="2400" spc="-1" strike="noStrike">
+            <a:endParaRPr b="0" lang="en-US" sz="1800" spc="-1" strike="noStrike">
               <a:solidFill>
                 <a:srgbClr val="000000"/>
               </a:solidFill>
@@ -3546,7 +3546,7 @@
               <a:buChar char=""/>
             </a:pPr>
             <a:r>
-              <a:rPr b="0" lang="en-US" sz="2000" spc="-1" strike="noStrike">
+              <a:rPr b="0" lang="en-US" sz="1800" spc="-1" strike="noStrike">
                 <a:solidFill>
                   <a:srgbClr val="000000"/>
                 </a:solidFill>
@@ -3559,7 +3559,7 @@
               </a:rPr>
               <a:t>第四個大綱層次</a:t>
             </a:r>
-            <a:endParaRPr b="0" lang="en-US" sz="2000" spc="-1" strike="noStrike">
+            <a:endParaRPr b="0" lang="en-US" sz="1800" spc="-1" strike="noStrike">
               <a:solidFill>
                 <a:srgbClr val="000000"/>
               </a:solidFill>
@@ -3581,7 +3581,7 @@
               <a:buChar char=""/>
             </a:pPr>
             <a:r>
-              <a:rPr b="0" lang="en-US" sz="2000" spc="-1" strike="noStrike">
+              <a:rPr b="0" lang="en-US" sz="1800" spc="-1" strike="noStrike">
                 <a:solidFill>
                   <a:srgbClr val="000000"/>
                 </a:solidFill>
@@ -3594,7 +3594,7 @@
               </a:rPr>
               <a:t>第五個大綱層次</a:t>
             </a:r>
-            <a:endParaRPr b="0" lang="en-US" sz="2000" spc="-1" strike="noStrike">
+            <a:endParaRPr b="0" lang="en-US" sz="1800" spc="-1" strike="noStrike">
               <a:solidFill>
                 <a:srgbClr val="000000"/>
               </a:solidFill>
@@ -3616,7 +3616,7 @@
               <a:buChar char=""/>
             </a:pPr>
             <a:r>
-              <a:rPr b="0" lang="en-US" sz="2000" spc="-1" strike="noStrike">
+              <a:rPr b="0" lang="en-US" sz="1800" spc="-1" strike="noStrike">
                 <a:solidFill>
                   <a:srgbClr val="000000"/>
                 </a:solidFill>
@@ -3629,7 +3629,7 @@
               </a:rPr>
               <a:t>第六個大綱層次</a:t>
             </a:r>
-            <a:endParaRPr b="0" lang="en-US" sz="2000" spc="-1" strike="noStrike">
+            <a:endParaRPr b="0" lang="en-US" sz="1800" spc="-1" strike="noStrike">
               <a:solidFill>
                 <a:srgbClr val="000000"/>
               </a:solidFill>
@@ -3651,7 +3651,7 @@
               <a:buChar char=""/>
             </a:pPr>
             <a:r>
-              <a:rPr b="0" lang="en-US" sz="2000" spc="-1" strike="noStrike">
+              <a:rPr b="0" lang="en-US" sz="1800" spc="-1" strike="noStrike">
                 <a:solidFill>
                   <a:srgbClr val="000000"/>
                 </a:solidFill>
@@ -3664,7 +3664,7 @@
               </a:rPr>
               <a:t>第七個大綱層次</a:t>
             </a:r>
-            <a:endParaRPr b="0" lang="en-US" sz="2000" spc="-1" strike="noStrike">
+            <a:endParaRPr b="0" lang="en-US" sz="1800" spc="-1" strike="noStrike">
               <a:solidFill>
                 <a:srgbClr val="000000"/>
               </a:solidFill>
@@ -4090,7 +4090,7 @@
         <p:spPr>
           <a:xfrm>
             <a:off x="723960" y="2637000"/>
-            <a:ext cx="4690440" cy="912960"/>
+            <a:ext cx="4690080" cy="912600"/>
           </a:xfrm>
           <a:prstGeom prst="rect">
             <a:avLst/>
@@ -4167,7 +4167,7 @@
         <p:spPr>
           <a:xfrm>
             <a:off x="210960" y="6381360"/>
-            <a:ext cx="1375560" cy="394920"/>
+            <a:ext cx="1375200" cy="394560"/>
           </a:xfrm>
           <a:prstGeom prst="rect">
             <a:avLst/>
@@ -4233,7 +4233,7 @@
         <p:spPr>
           <a:xfrm>
             <a:off x="-252360" y="2323800"/>
-            <a:ext cx="1743840" cy="1743840"/>
+            <a:ext cx="1743480" cy="1743480"/>
           </a:xfrm>
           <a:prstGeom prst="rect">
             <a:avLst/>
@@ -4301,7 +4301,7 @@
         <p:spPr>
           <a:xfrm>
             <a:off x="1338840" y="2637000"/>
-            <a:ext cx="3260880" cy="912960"/>
+            <a:ext cx="3260520" cy="912600"/>
           </a:xfrm>
           <a:prstGeom prst="rect">
             <a:avLst/>
@@ -4378,7 +4378,7 @@
         <p:spPr>
           <a:xfrm>
             <a:off x="210960" y="6381360"/>
-            <a:ext cx="1375560" cy="394920"/>
+            <a:ext cx="1375200" cy="394560"/>
           </a:xfrm>
           <a:prstGeom prst="rect">
             <a:avLst/>
@@ -4444,7 +4444,7 @@
         <p:spPr>
           <a:xfrm>
             <a:off x="-252360" y="2323800"/>
-            <a:ext cx="1743840" cy="1743840"/>
+            <a:ext cx="1743480" cy="1743480"/>
           </a:xfrm>
           <a:prstGeom prst="rect">
             <a:avLst/>
@@ -4512,7 +4512,7 @@
         <p:spPr>
           <a:xfrm>
             <a:off x="0" y="80640"/>
-            <a:ext cx="9143280" cy="1223280"/>
+            <a:ext cx="9142920" cy="1222920"/>
           </a:xfrm>
           <a:prstGeom prst="rect">
             <a:avLst/>
@@ -4592,7 +4592,7 @@
         <p:spPr>
           <a:xfrm>
             <a:off x="395640" y="293760"/>
-            <a:ext cx="8352360" cy="821160"/>
+            <a:ext cx="8352000" cy="820800"/>
           </a:xfrm>
           <a:prstGeom prst="rect">
             <a:avLst/>
@@ -4658,7 +4658,7 @@
         <p:spPr>
           <a:xfrm>
             <a:off x="1871640" y="-27360"/>
-            <a:ext cx="1908000" cy="1345680"/>
+            <a:ext cx="1907640" cy="1345320"/>
           </a:xfrm>
           <a:prstGeom prst="rect">
             <a:avLst/>
@@ -4681,7 +4681,7 @@
         <p:spPr>
           <a:xfrm>
             <a:off x="467640" y="1484640"/>
-            <a:ext cx="447840" cy="427680"/>
+            <a:ext cx="447480" cy="427320"/>
           </a:xfrm>
           <a:prstGeom prst="rect">
             <a:avLst/>
@@ -4700,7 +4700,7 @@
         <p:spPr>
           <a:xfrm>
             <a:off x="6553080" y="6356520"/>
-            <a:ext cx="2133000" cy="364320"/>
+            <a:ext cx="2132640" cy="363960"/>
           </a:xfrm>
           <a:prstGeom prst="rect">
             <a:avLst/>
@@ -4726,7 +4726,7 @@
         <p:spPr>
           <a:xfrm>
             <a:off x="1043640" y="2061000"/>
-            <a:ext cx="7416000" cy="1187280"/>
+            <a:ext cx="7415640" cy="1186920"/>
           </a:xfrm>
           <a:prstGeom prst="rect">
             <a:avLst/>
@@ -4923,7 +4923,7 @@
         <p:spPr>
           <a:xfrm>
             <a:off x="1043640" y="3429000"/>
-            <a:ext cx="7632000" cy="821520"/>
+            <a:ext cx="7631640" cy="821160"/>
           </a:xfrm>
           <a:prstGeom prst="rect">
             <a:avLst/>
@@ -4942,7 +4942,7 @@
         <p:txBody>
           <a:bodyPr lIns="90000" rIns="90000" tIns="45000" bIns="45000"/>
           <a:p>
-            <a:pPr marL="457200" indent="-456480">
+            <a:pPr marL="457200" indent="-456120">
               <a:lnSpc>
                 <a:spcPct val="100000"/>
               </a:lnSpc>
@@ -4975,7 +4975,7 @@
             </a:endParaRPr>
           </a:p>
           <a:p>
-            <a:pPr marL="457200" indent="-456480">
+            <a:pPr marL="457200" indent="-456120">
               <a:lnSpc>
                 <a:spcPct val="100000"/>
               </a:lnSpc>
@@ -5033,7 +5033,7 @@
         <p:spPr>
           <a:xfrm>
             <a:off x="1043640" y="1508760"/>
-            <a:ext cx="7128000" cy="516600"/>
+            <a:ext cx="7127640" cy="516240"/>
           </a:xfrm>
           <a:prstGeom prst="rect">
             <a:avLst/>
@@ -5114,7 +5114,7 @@
         <p:spPr>
           <a:xfrm>
             <a:off x="2028600" y="4608000"/>
-            <a:ext cx="4059000" cy="692280"/>
+            <a:ext cx="4058640" cy="691920"/>
           </a:xfrm>
           <a:prstGeom prst="rect">
             <a:avLst/>
@@ -5182,7 +5182,7 @@
         <p:spPr>
           <a:xfrm>
             <a:off x="0" y="80640"/>
-            <a:ext cx="9143280" cy="1223280"/>
+            <a:ext cx="9142920" cy="1222920"/>
           </a:xfrm>
           <a:prstGeom prst="rect">
             <a:avLst/>
@@ -5262,7 +5262,7 @@
         <p:spPr>
           <a:xfrm>
             <a:off x="395640" y="293760"/>
-            <a:ext cx="8352360" cy="821160"/>
+            <a:ext cx="8352000" cy="820800"/>
           </a:xfrm>
           <a:prstGeom prst="rect">
             <a:avLst/>
@@ -5328,7 +5328,7 @@
         <p:spPr>
           <a:xfrm>
             <a:off x="1871640" y="-27360"/>
-            <a:ext cx="1908000" cy="1345680"/>
+            <a:ext cx="1907640" cy="1345320"/>
           </a:xfrm>
           <a:prstGeom prst="rect">
             <a:avLst/>
@@ -5351,7 +5351,7 @@
         <p:spPr>
           <a:xfrm>
             <a:off x="467640" y="1484640"/>
-            <a:ext cx="447840" cy="427680"/>
+            <a:ext cx="447480" cy="427320"/>
           </a:xfrm>
           <a:prstGeom prst="rect">
             <a:avLst/>
@@ -5370,7 +5370,7 @@
         <p:spPr>
           <a:xfrm>
             <a:off x="6553080" y="6356520"/>
-            <a:ext cx="2133000" cy="364320"/>
+            <a:ext cx="2132640" cy="363960"/>
           </a:xfrm>
           <a:prstGeom prst="rect">
             <a:avLst/>
@@ -5396,7 +5396,7 @@
         <p:spPr>
           <a:xfrm>
             <a:off x="1043640" y="1508760"/>
-            <a:ext cx="7128000" cy="516600"/>
+            <a:ext cx="7127640" cy="516240"/>
           </a:xfrm>
           <a:prstGeom prst="rect">
             <a:avLst/>
@@ -5473,7 +5473,7 @@
         <p:spPr>
           <a:xfrm>
             <a:off x="457200" y="2221920"/>
-            <a:ext cx="8228880" cy="4014720"/>
+            <a:ext cx="8228520" cy="4014360"/>
           </a:xfrm>
           <a:prstGeom prst="rect">
             <a:avLst/>
@@ -5492,7 +5492,7 @@
         <p:txBody>
           <a:bodyPr lIns="90000" rIns="90000" tIns="45000" bIns="45000"/>
           <a:p>
-            <a:pPr marL="457200" indent="-456480">
+            <a:pPr marL="457200" indent="-456120">
               <a:lnSpc>
                 <a:spcPct val="90000"/>
               </a:lnSpc>
@@ -5575,7 +5575,7 @@
             </a:endParaRPr>
           </a:p>
           <a:p>
-            <a:pPr marL="457200" indent="-456480">
+            <a:pPr marL="457200" indent="-456120">
               <a:lnSpc>
                 <a:spcPct val="90000"/>
               </a:lnSpc>
@@ -5608,7 +5608,7 @@
             </a:endParaRPr>
           </a:p>
           <a:p>
-            <a:pPr marL="457200" indent="-456480">
+            <a:pPr marL="457200" indent="-456120">
               <a:lnSpc>
                 <a:spcPct val="90000"/>
               </a:lnSpc>
@@ -5641,7 +5641,7 @@
             </a:endParaRPr>
           </a:p>
           <a:p>
-            <a:pPr marL="457200" indent="-456480">
+            <a:pPr marL="457200" indent="-456120">
               <a:lnSpc>
                 <a:spcPct val="90000"/>
               </a:lnSpc>
@@ -5679,7 +5679,7 @@
             </a:endParaRPr>
           </a:p>
           <a:p>
-            <a:pPr marL="457200" indent="-456480">
+            <a:pPr marL="457200" indent="-456120">
               <a:lnSpc>
                 <a:spcPct val="90000"/>
               </a:lnSpc>
@@ -5712,7 +5712,7 @@
             </a:endParaRPr>
           </a:p>
           <a:p>
-            <a:pPr marL="457200" indent="-456480">
+            <a:pPr marL="457200" indent="-456120">
               <a:lnSpc>
                 <a:spcPct val="90000"/>
               </a:lnSpc>
@@ -5780,7 +5780,7 @@
             </a:endParaRPr>
           </a:p>
           <a:p>
-            <a:pPr marL="457200" indent="-456480">
+            <a:pPr marL="457200" indent="-456120">
               <a:lnSpc>
                 <a:spcPct val="100000"/>
               </a:lnSpc>
@@ -5813,7 +5813,7 @@
             </a:endParaRPr>
           </a:p>
           <a:p>
-            <a:pPr marL="457200" indent="-456480">
+            <a:pPr marL="457200" indent="-456120">
               <a:lnSpc>
                 <a:spcPct val="100000"/>
               </a:lnSpc>
@@ -5861,7 +5861,7 @@
             </a:endParaRPr>
           </a:p>
           <a:p>
-            <a:pPr marL="457200" indent="-456480">
+            <a:pPr marL="457200" indent="-456120">
               <a:lnSpc>
                 <a:spcPct val="90000"/>
               </a:lnSpc>
@@ -5879,7 +5879,7 @@
             </a:endParaRPr>
           </a:p>
           <a:p>
-            <a:pPr marL="457200" indent="-456480">
+            <a:pPr marL="457200" indent="-456120">
               <a:lnSpc>
                 <a:spcPct val="100000"/>
               </a:lnSpc>
@@ -5956,7 +5956,7 @@
         <p:spPr>
           <a:xfrm>
             <a:off x="0" y="80640"/>
-            <a:ext cx="9143280" cy="1223280"/>
+            <a:ext cx="9142920" cy="1222920"/>
           </a:xfrm>
           <a:prstGeom prst="rect">
             <a:avLst/>
@@ -6036,7 +6036,7 @@
         <p:spPr>
           <a:xfrm>
             <a:off x="395640" y="293760"/>
-            <a:ext cx="8352360" cy="821160"/>
+            <a:ext cx="8352000" cy="820800"/>
           </a:xfrm>
           <a:prstGeom prst="rect">
             <a:avLst/>
@@ -6102,7 +6102,7 @@
         <p:spPr>
           <a:xfrm>
             <a:off x="1871640" y="-27360"/>
-            <a:ext cx="1908000" cy="1345680"/>
+            <a:ext cx="1907640" cy="1345320"/>
           </a:xfrm>
           <a:prstGeom prst="rect">
             <a:avLst/>
@@ -6125,7 +6125,7 @@
         <p:spPr>
           <a:xfrm>
             <a:off x="467640" y="1484640"/>
-            <a:ext cx="447840" cy="427680"/>
+            <a:ext cx="447480" cy="427320"/>
           </a:xfrm>
           <a:prstGeom prst="rect">
             <a:avLst/>
@@ -6144,7 +6144,7 @@
         <p:spPr>
           <a:xfrm>
             <a:off x="6553080" y="6356520"/>
-            <a:ext cx="2133000" cy="364320"/>
+            <a:ext cx="2132640" cy="363960"/>
           </a:xfrm>
           <a:prstGeom prst="rect">
             <a:avLst/>
@@ -6170,7 +6170,7 @@
         <p:spPr>
           <a:xfrm>
             <a:off x="1043640" y="1508760"/>
-            <a:ext cx="7128000" cy="516600"/>
+            <a:ext cx="7127640" cy="516240"/>
           </a:xfrm>
           <a:prstGeom prst="rect">
             <a:avLst/>
@@ -6251,7 +6251,7 @@
         <p:spPr>
           <a:xfrm>
             <a:off x="5868000" y="3626640"/>
-            <a:ext cx="2485440" cy="923040"/>
+            <a:ext cx="2485080" cy="922680"/>
           </a:xfrm>
           <a:prstGeom prst="rect">
             <a:avLst/>
@@ -6270,7 +6270,7 @@
         <p:spPr>
           <a:xfrm>
             <a:off x="5849640" y="3098880"/>
-            <a:ext cx="1206360" cy="364320"/>
+            <a:ext cx="1206000" cy="363960"/>
           </a:xfrm>
           <a:prstGeom prst="rect">
             <a:avLst/>
@@ -6351,7 +6351,7 @@
         <p:spPr>
           <a:xfrm>
             <a:off x="904320" y="2034720"/>
-            <a:ext cx="4177440" cy="2987280"/>
+            <a:ext cx="4177080" cy="2986920"/>
           </a:xfrm>
           <a:prstGeom prst="rect">
             <a:avLst/>
@@ -6374,7 +6374,7 @@
         <p:spPr>
           <a:xfrm>
             <a:off x="891000" y="5016600"/>
-            <a:ext cx="4038120" cy="1780200"/>
+            <a:ext cx="4037760" cy="1779840"/>
           </a:xfrm>
           <a:prstGeom prst="rect">
             <a:avLst/>
@@ -6442,7 +6442,7 @@
         <p:spPr>
           <a:xfrm>
             <a:off x="0" y="80640"/>
-            <a:ext cx="9143280" cy="1223280"/>
+            <a:ext cx="9142920" cy="1222920"/>
           </a:xfrm>
           <a:prstGeom prst="rect">
             <a:avLst/>
@@ -6522,7 +6522,7 @@
         <p:spPr>
           <a:xfrm>
             <a:off x="395640" y="293760"/>
-            <a:ext cx="8352360" cy="821160"/>
+            <a:ext cx="8352000" cy="820800"/>
           </a:xfrm>
           <a:prstGeom prst="rect">
             <a:avLst/>
@@ -6588,7 +6588,7 @@
         <p:spPr>
           <a:xfrm>
             <a:off x="1871640" y="-27360"/>
-            <a:ext cx="1908000" cy="1345680"/>
+            <a:ext cx="1907640" cy="1345320"/>
           </a:xfrm>
           <a:prstGeom prst="rect">
             <a:avLst/>
@@ -6611,7 +6611,7 @@
         <p:spPr>
           <a:xfrm>
             <a:off x="467640" y="1484640"/>
-            <a:ext cx="447840" cy="427680"/>
+            <a:ext cx="447480" cy="427320"/>
           </a:xfrm>
           <a:prstGeom prst="rect">
             <a:avLst/>
@@ -6630,7 +6630,7 @@
         <p:spPr>
           <a:xfrm>
             <a:off x="6553080" y="6356520"/>
-            <a:ext cx="2133000" cy="364320"/>
+            <a:ext cx="2132640" cy="363960"/>
           </a:xfrm>
           <a:prstGeom prst="rect">
             <a:avLst/>
@@ -6656,7 +6656,7 @@
         <p:spPr>
           <a:xfrm>
             <a:off x="1043640" y="1508760"/>
-            <a:ext cx="7128000" cy="516600"/>
+            <a:ext cx="7127640" cy="516240"/>
           </a:xfrm>
           <a:prstGeom prst="rect">
             <a:avLst/>
@@ -6733,7 +6733,7 @@
         <p:spPr>
           <a:xfrm>
             <a:off x="457200" y="2221920"/>
-            <a:ext cx="8228880" cy="4014720"/>
+            <a:ext cx="8228520" cy="4014360"/>
           </a:xfrm>
           <a:prstGeom prst="rect">
             <a:avLst/>
@@ -6752,7 +6752,7 @@
         <p:txBody>
           <a:bodyPr lIns="90000" rIns="90000" tIns="45000" bIns="45000"/>
           <a:p>
-            <a:pPr marL="457200" indent="-456480">
+            <a:pPr marL="457200" indent="-456120">
               <a:lnSpc>
                 <a:spcPct val="100000"/>
               </a:lnSpc>
@@ -6805,7 +6805,7 @@
             </a:endParaRPr>
           </a:p>
           <a:p>
-            <a:pPr marL="457200" indent="-456480">
+            <a:pPr marL="457200" indent="-456120">
               <a:lnSpc>
                 <a:spcPct val="100000"/>
               </a:lnSpc>
@@ -6838,7 +6838,7 @@
             </a:endParaRPr>
           </a:p>
           <a:p>
-            <a:pPr marL="457200" indent="-456480">
+            <a:pPr marL="457200" indent="-456120">
               <a:lnSpc>
                 <a:spcPct val="100000"/>
               </a:lnSpc>
@@ -6886,7 +6886,7 @@
             </a:endParaRPr>
           </a:p>
           <a:p>
-            <a:pPr marL="457200" indent="-456480">
+            <a:pPr marL="457200" indent="-456120">
               <a:lnSpc>
                 <a:spcPct val="100000"/>
               </a:lnSpc>
@@ -6934,7 +6934,7 @@
             </a:endParaRPr>
           </a:p>
           <a:p>
-            <a:pPr marL="457200" indent="-456480">
+            <a:pPr marL="457200" indent="-456120">
               <a:lnSpc>
                 <a:spcPct val="100000"/>
               </a:lnSpc>
@@ -7319,7 +7319,7 @@
         <p:spPr>
           <a:xfrm>
             <a:off x="0" y="80640"/>
-            <a:ext cx="9143280" cy="1223280"/>
+            <a:ext cx="9142920" cy="1222920"/>
           </a:xfrm>
           <a:prstGeom prst="rect">
             <a:avLst/>
@@ -7399,7 +7399,7 @@
         <p:spPr>
           <a:xfrm>
             <a:off x="395640" y="293760"/>
-            <a:ext cx="8352360" cy="821160"/>
+            <a:ext cx="8352000" cy="820800"/>
           </a:xfrm>
           <a:prstGeom prst="rect">
             <a:avLst/>
@@ -7465,7 +7465,7 @@
         <p:spPr>
           <a:xfrm>
             <a:off x="1871640" y="-27360"/>
-            <a:ext cx="1908000" cy="1345680"/>
+            <a:ext cx="1907640" cy="1345320"/>
           </a:xfrm>
           <a:prstGeom prst="rect">
             <a:avLst/>
@@ -7488,7 +7488,7 @@
         <p:spPr>
           <a:xfrm>
             <a:off x="467640" y="1484640"/>
-            <a:ext cx="447840" cy="427680"/>
+            <a:ext cx="447480" cy="427320"/>
           </a:xfrm>
           <a:prstGeom prst="rect">
             <a:avLst/>
@@ -7507,7 +7507,7 @@
         <p:spPr>
           <a:xfrm>
             <a:off x="6553080" y="6356520"/>
-            <a:ext cx="2133000" cy="364320"/>
+            <a:ext cx="2132640" cy="363960"/>
           </a:xfrm>
           <a:prstGeom prst="rect">
             <a:avLst/>
@@ -7533,7 +7533,7 @@
         <p:spPr>
           <a:xfrm>
             <a:off x="1043640" y="1508760"/>
-            <a:ext cx="7128000" cy="516600"/>
+            <a:ext cx="7127640" cy="516240"/>
           </a:xfrm>
           <a:prstGeom prst="rect">
             <a:avLst/>
@@ -7610,7 +7610,7 @@
         <p:spPr>
           <a:xfrm>
             <a:off x="457200" y="2221920"/>
-            <a:ext cx="8228880" cy="4014720"/>
+            <a:ext cx="8228520" cy="4014360"/>
           </a:xfrm>
           <a:prstGeom prst="rect">
             <a:avLst/>
@@ -7629,7 +7629,7 @@
         <p:txBody>
           <a:bodyPr lIns="90000" rIns="90000" tIns="45000" bIns="45000"/>
           <a:p>
-            <a:pPr marL="457200" indent="-456480">
+            <a:pPr marL="457200" indent="-456120">
               <a:lnSpc>
                 <a:spcPct val="90000"/>
               </a:lnSpc>
@@ -7787,7 +7787,7 @@
             </a:endParaRPr>
           </a:p>
           <a:p>
-            <a:pPr marL="457200" indent="-456480">
+            <a:pPr marL="457200" indent="-456120">
               <a:lnSpc>
                 <a:spcPct val="90000"/>
               </a:lnSpc>
@@ -7825,7 +7825,7 @@
             </a:endParaRPr>
           </a:p>
           <a:p>
-            <a:pPr marL="457200" indent="-456480">
+            <a:pPr marL="457200" indent="-456120">
               <a:lnSpc>
                 <a:spcPct val="90000"/>
               </a:lnSpc>
@@ -7858,7 +7858,7 @@
             </a:endParaRPr>
           </a:p>
           <a:p>
-            <a:pPr marL="457200" indent="-456480">
+            <a:pPr marL="457200" indent="-456120">
               <a:lnSpc>
                 <a:spcPct val="90000"/>
               </a:lnSpc>
@@ -7891,7 +7891,7 @@
             </a:endParaRPr>
           </a:p>
           <a:p>
-            <a:pPr marL="457200" indent="-456480">
+            <a:pPr marL="457200" indent="-456120">
               <a:lnSpc>
                 <a:spcPct val="90000"/>
               </a:lnSpc>
@@ -7939,7 +7939,7 @@
             </a:endParaRPr>
           </a:p>
           <a:p>
-            <a:pPr marL="457200" indent="-456480">
+            <a:pPr marL="457200" indent="-456120">
               <a:lnSpc>
                 <a:spcPct val="100000"/>
               </a:lnSpc>
@@ -8016,7 +8016,7 @@
         <p:spPr>
           <a:xfrm>
             <a:off x="0" y="80640"/>
-            <a:ext cx="9143280" cy="1223280"/>
+            <a:ext cx="9142920" cy="1222920"/>
           </a:xfrm>
           <a:prstGeom prst="rect">
             <a:avLst/>
@@ -8096,7 +8096,7 @@
         <p:spPr>
           <a:xfrm>
             <a:off x="395640" y="293760"/>
-            <a:ext cx="8352360" cy="821160"/>
+            <a:ext cx="8352000" cy="820800"/>
           </a:xfrm>
           <a:prstGeom prst="rect">
             <a:avLst/>
@@ -8162,7 +8162,7 @@
         <p:spPr>
           <a:xfrm>
             <a:off x="1871640" y="-27360"/>
-            <a:ext cx="1908000" cy="1345680"/>
+            <a:ext cx="1907640" cy="1345320"/>
           </a:xfrm>
           <a:prstGeom prst="rect">
             <a:avLst/>
@@ -8185,7 +8185,7 @@
         <p:spPr>
           <a:xfrm>
             <a:off x="467640" y="1484640"/>
-            <a:ext cx="447840" cy="427680"/>
+            <a:ext cx="447480" cy="427320"/>
           </a:xfrm>
           <a:prstGeom prst="rect">
             <a:avLst/>
@@ -8204,7 +8204,7 @@
         <p:spPr>
           <a:xfrm>
             <a:off x="6553080" y="6356520"/>
-            <a:ext cx="2133000" cy="364320"/>
+            <a:ext cx="2132640" cy="363960"/>
           </a:xfrm>
           <a:prstGeom prst="rect">
             <a:avLst/>
@@ -8230,7 +8230,7 @@
         <p:spPr>
           <a:xfrm>
             <a:off x="1043640" y="1508760"/>
-            <a:ext cx="7128000" cy="516600"/>
+            <a:ext cx="7127640" cy="516240"/>
           </a:xfrm>
           <a:prstGeom prst="rect">
             <a:avLst/>
@@ -8307,7 +8307,7 @@
         <p:spPr>
           <a:xfrm>
             <a:off x="457200" y="2221920"/>
-            <a:ext cx="8228880" cy="4014720"/>
+            <a:ext cx="8228520" cy="4014360"/>
           </a:xfrm>
           <a:prstGeom prst="rect">
             <a:avLst/>
@@ -8326,7 +8326,7 @@
         <p:txBody>
           <a:bodyPr lIns="90000" rIns="90000" tIns="45000" bIns="45000"/>
           <a:p>
-            <a:pPr marL="457200" indent="-456480">
+            <a:pPr marL="457200" indent="-456120">
               <a:lnSpc>
                 <a:spcPct val="100000"/>
               </a:lnSpc>
@@ -8394,7 +8394,7 @@
             </a:endParaRPr>
           </a:p>
           <a:p>
-            <a:pPr marL="457200" indent="-456480">
+            <a:pPr marL="457200" indent="-456120">
               <a:lnSpc>
                 <a:spcPct val="100000"/>
               </a:lnSpc>
@@ -8427,7 +8427,7 @@
             </a:endParaRPr>
           </a:p>
           <a:p>
-            <a:pPr marL="457200" indent="-456480">
+            <a:pPr marL="457200" indent="-456120">
               <a:lnSpc>
                 <a:spcPct val="100000"/>
               </a:lnSpc>
@@ -8460,7 +8460,7 @@
             </a:endParaRPr>
           </a:p>
           <a:p>
-            <a:pPr marL="457200" indent="-456480">
+            <a:pPr marL="457200" indent="-456120">
               <a:lnSpc>
                 <a:spcPct val="100000"/>
               </a:lnSpc>
@@ -8493,7 +8493,7 @@
             </a:endParaRPr>
           </a:p>
           <a:p>
-            <a:pPr marL="457200" indent="-456480">
+            <a:pPr marL="457200" indent="-456120">
               <a:lnSpc>
                 <a:spcPct val="100000"/>
               </a:lnSpc>
@@ -8526,7 +8526,7 @@
             </a:endParaRPr>
           </a:p>
           <a:p>
-            <a:pPr marL="457200" indent="-456480">
+            <a:pPr marL="457200" indent="-456120">
               <a:lnSpc>
                 <a:spcPct val="100000"/>
               </a:lnSpc>
@@ -8641,7 +8641,7 @@
         <p:spPr>
           <a:xfrm>
             <a:off x="0" y="80640"/>
-            <a:ext cx="9143280" cy="1223280"/>
+            <a:ext cx="9142920" cy="1222920"/>
           </a:xfrm>
           <a:prstGeom prst="rect">
             <a:avLst/>
@@ -8721,7 +8721,7 @@
         <p:spPr>
           <a:xfrm>
             <a:off x="395640" y="293760"/>
-            <a:ext cx="8352360" cy="821160"/>
+            <a:ext cx="8352000" cy="820800"/>
           </a:xfrm>
           <a:prstGeom prst="rect">
             <a:avLst/>
@@ -8787,7 +8787,7 @@
         <p:spPr>
           <a:xfrm>
             <a:off x="1871640" y="-27360"/>
-            <a:ext cx="1908000" cy="1345680"/>
+            <a:ext cx="1907640" cy="1345320"/>
           </a:xfrm>
           <a:prstGeom prst="rect">
             <a:avLst/>
@@ -8810,7 +8810,7 @@
         <p:spPr>
           <a:xfrm>
             <a:off x="467640" y="1484640"/>
-            <a:ext cx="447840" cy="427680"/>
+            <a:ext cx="447480" cy="427320"/>
           </a:xfrm>
           <a:prstGeom prst="rect">
             <a:avLst/>
@@ -8829,7 +8829,7 @@
         <p:spPr>
           <a:xfrm>
             <a:off x="6553080" y="6356520"/>
-            <a:ext cx="2133000" cy="364320"/>
+            <a:ext cx="2132640" cy="363960"/>
           </a:xfrm>
           <a:prstGeom prst="rect">
             <a:avLst/>
@@ -8855,7 +8855,7 @@
         <p:spPr>
           <a:xfrm>
             <a:off x="1043640" y="1508760"/>
-            <a:ext cx="7128000" cy="516600"/>
+            <a:ext cx="7127640" cy="516240"/>
           </a:xfrm>
           <a:prstGeom prst="rect">
             <a:avLst/>
@@ -8932,7 +8932,7 @@
         <p:spPr>
           <a:xfrm>
             <a:off x="457200" y="2221920"/>
-            <a:ext cx="8228880" cy="4014720"/>
+            <a:ext cx="8228520" cy="4014360"/>
           </a:xfrm>
           <a:prstGeom prst="rect">
             <a:avLst/>
@@ -8951,7 +8951,7 @@
         <p:txBody>
           <a:bodyPr lIns="90000" rIns="90000" tIns="45000" bIns="45000"/>
           <a:p>
-            <a:pPr marL="457200" indent="-456480">
+            <a:pPr marL="457200" indent="-456120">
               <a:lnSpc>
                 <a:spcPct val="90000"/>
               </a:lnSpc>
@@ -8989,7 +8989,7 @@
             </a:endParaRPr>
           </a:p>
           <a:p>
-            <a:pPr marL="457200" indent="-456480">
+            <a:pPr marL="457200" indent="-456120">
               <a:lnSpc>
                 <a:spcPct val="90000"/>
               </a:lnSpc>
@@ -9022,7 +9022,7 @@
             </a:endParaRPr>
           </a:p>
           <a:p>
-            <a:pPr marL="457200" indent="-456480">
+            <a:pPr marL="457200" indent="-456120">
               <a:lnSpc>
                 <a:spcPct val="90000"/>
               </a:lnSpc>
@@ -9055,7 +9055,7 @@
             </a:endParaRPr>
           </a:p>
           <a:p>
-            <a:pPr marL="457200" indent="-456480">
+            <a:pPr marL="457200" indent="-456120">
               <a:lnSpc>
                 <a:spcPct val="90000"/>
               </a:lnSpc>
@@ -9163,7 +9163,7 @@
             </a:endParaRPr>
           </a:p>
           <a:p>
-            <a:pPr marL="457200" indent="-456480">
+            <a:pPr marL="457200" indent="-456120">
               <a:lnSpc>
                 <a:spcPct val="90000"/>
               </a:lnSpc>
@@ -9211,7 +9211,7 @@
             </a:endParaRPr>
           </a:p>
           <a:p>
-            <a:pPr marL="457200" indent="-456480">
+            <a:pPr marL="457200" indent="-456120">
               <a:lnSpc>
                 <a:spcPct val="90000"/>
               </a:lnSpc>
@@ -9259,7 +9259,7 @@
             </a:endParaRPr>
           </a:p>
           <a:p>
-            <a:pPr marL="457200" indent="-456480">
+            <a:pPr marL="457200" indent="-456120">
               <a:lnSpc>
                 <a:spcPct val="90000"/>
               </a:lnSpc>
@@ -9307,7 +9307,7 @@
             </a:endParaRPr>
           </a:p>
           <a:p>
-            <a:pPr marL="457200" indent="-456480">
+            <a:pPr marL="457200" indent="-456120">
               <a:lnSpc>
                 <a:spcPct val="90000"/>
               </a:lnSpc>
@@ -9340,7 +9340,7 @@
             </a:endParaRPr>
           </a:p>
           <a:p>
-            <a:pPr marL="457200" indent="-456480">
+            <a:pPr marL="457200" indent="-456120">
               <a:lnSpc>
                 <a:spcPct val="90000"/>
               </a:lnSpc>
@@ -9485,7 +9485,7 @@
         <p:spPr>
           <a:xfrm>
             <a:off x="0" y="80640"/>
-            <a:ext cx="9143280" cy="1223280"/>
+            <a:ext cx="9142920" cy="1222920"/>
           </a:xfrm>
           <a:prstGeom prst="rect">
             <a:avLst/>
@@ -9565,7 +9565,7 @@
         <p:spPr>
           <a:xfrm>
             <a:off x="395640" y="293760"/>
-            <a:ext cx="8352360" cy="821160"/>
+            <a:ext cx="8352000" cy="820800"/>
           </a:xfrm>
           <a:prstGeom prst="rect">
             <a:avLst/>
@@ -9631,7 +9631,7 @@
         <p:spPr>
           <a:xfrm>
             <a:off x="1871640" y="-27360"/>
-            <a:ext cx="1908000" cy="1345680"/>
+            <a:ext cx="1907640" cy="1345320"/>
           </a:xfrm>
           <a:prstGeom prst="rect">
             <a:avLst/>
@@ -9654,7 +9654,7 @@
         <p:spPr>
           <a:xfrm>
             <a:off x="467640" y="1484640"/>
-            <a:ext cx="447840" cy="427680"/>
+            <a:ext cx="447480" cy="427320"/>
           </a:xfrm>
           <a:prstGeom prst="rect">
             <a:avLst/>
@@ -9673,7 +9673,7 @@
         <p:spPr>
           <a:xfrm>
             <a:off x="6553080" y="6356520"/>
-            <a:ext cx="2133000" cy="364320"/>
+            <a:ext cx="2132640" cy="363960"/>
           </a:xfrm>
           <a:prstGeom prst="rect">
             <a:avLst/>
@@ -9699,7 +9699,7 @@
         <p:spPr>
           <a:xfrm>
             <a:off x="1043640" y="1508760"/>
-            <a:ext cx="7128000" cy="516600"/>
+            <a:ext cx="7127640" cy="516240"/>
           </a:xfrm>
           <a:prstGeom prst="rect">
             <a:avLst/>
@@ -9776,7 +9776,7 @@
         <p:spPr>
           <a:xfrm>
             <a:off x="457200" y="2221920"/>
-            <a:ext cx="8228880" cy="4014720"/>
+            <a:ext cx="8228520" cy="4014360"/>
           </a:xfrm>
           <a:prstGeom prst="rect">
             <a:avLst/>
@@ -9806,7 +9806,7 @@
         <p:spPr>
           <a:xfrm>
             <a:off x="0" y="2435040"/>
-            <a:ext cx="4347720" cy="3588480"/>
+            <a:ext cx="4347360" cy="3588120"/>
           </a:xfrm>
           <a:prstGeom prst="rect">
             <a:avLst/>
@@ -9829,7 +9829,7 @@
         <p:spPr>
           <a:xfrm>
             <a:off x="4489560" y="2902680"/>
-            <a:ext cx="4196520" cy="3023640"/>
+            <a:ext cx="4196160" cy="3023280"/>
           </a:xfrm>
           <a:prstGeom prst="rect">
             <a:avLst/>
@@ -9852,7 +9852,7 @@
         <p:spPr>
           <a:xfrm>
             <a:off x="6729480" y="784440"/>
-            <a:ext cx="2037600" cy="1923480"/>
+            <a:ext cx="2037240" cy="1923120"/>
           </a:xfrm>
           <a:prstGeom prst="rect">
             <a:avLst/>
@@ -9871,7 +9871,7 @@
         <p:spPr>
           <a:xfrm>
             <a:off x="6611760" y="415080"/>
-            <a:ext cx="1206360" cy="364320"/>
+            <a:ext cx="1206000" cy="363960"/>
           </a:xfrm>
           <a:prstGeom prst="rect">
             <a:avLst/>
@@ -9997,7 +9997,7 @@
         <p:spPr>
           <a:xfrm>
             <a:off x="0" y="80640"/>
-            <a:ext cx="9143280" cy="1223280"/>
+            <a:ext cx="9142920" cy="1222920"/>
           </a:xfrm>
           <a:prstGeom prst="rect">
             <a:avLst/>
@@ -10037,7 +10037,7 @@
         <p:spPr>
           <a:xfrm>
             <a:off x="3326760" y="277200"/>
-            <a:ext cx="2489760" cy="821160"/>
+            <a:ext cx="2489400" cy="820800"/>
           </a:xfrm>
           <a:prstGeom prst="rect">
             <a:avLst/>
@@ -10103,7 +10103,7 @@
         <p:spPr>
           <a:xfrm>
             <a:off x="1871640" y="-27360"/>
-            <a:ext cx="1908000" cy="1345680"/>
+            <a:ext cx="1907640" cy="1345320"/>
           </a:xfrm>
           <a:prstGeom prst="rect">
             <a:avLst/>
@@ -10122,7 +10122,7 @@
         <p:spPr>
           <a:xfrm>
             <a:off x="6553080" y="6356520"/>
-            <a:ext cx="2133000" cy="364320"/>
+            <a:ext cx="2132640" cy="363960"/>
           </a:xfrm>
           <a:prstGeom prst="rect">
             <a:avLst/>
@@ -10148,7 +10148,7 @@
         <p:spPr>
           <a:xfrm>
             <a:off x="457200" y="1600200"/>
-            <a:ext cx="8228880" cy="4636440"/>
+            <a:ext cx="8228520" cy="4636080"/>
           </a:xfrm>
           <a:prstGeom prst="rect">
             <a:avLst/>
@@ -10167,7 +10167,7 @@
         <p:txBody>
           <a:bodyPr lIns="90000" rIns="90000" tIns="45000" bIns="45000"/>
           <a:p>
-            <a:pPr marL="457200" indent="-456480">
+            <a:pPr marL="457200" indent="-456120">
               <a:lnSpc>
                 <a:spcPct val="100000"/>
               </a:lnSpc>
@@ -10215,7 +10215,7 @@
         <p:spPr>
           <a:xfrm>
             <a:off x="968760" y="2880360"/>
-            <a:ext cx="3224520" cy="3381840"/>
+            <a:ext cx="3224160" cy="3381480"/>
           </a:xfrm>
           <a:prstGeom prst="rect">
             <a:avLst/>
@@ -10616,7 +10616,7 @@
         <p:spPr>
           <a:xfrm>
             <a:off x="6287400" y="3588840"/>
-            <a:ext cx="1206360" cy="364320"/>
+            <a:ext cx="1206000" cy="363960"/>
           </a:xfrm>
           <a:prstGeom prst="rect">
             <a:avLst/>
@@ -10697,7 +10697,7 @@
         <p:spPr>
           <a:xfrm>
             <a:off x="5317560" y="4105800"/>
-            <a:ext cx="3314160" cy="1227960"/>
+            <a:ext cx="3313800" cy="1227600"/>
           </a:xfrm>
           <a:prstGeom prst="rect">
             <a:avLst/>
@@ -10765,7 +10765,7 @@
         <p:spPr>
           <a:xfrm>
             <a:off x="0" y="80640"/>
-            <a:ext cx="9143280" cy="1223280"/>
+            <a:ext cx="9142920" cy="1222920"/>
           </a:xfrm>
           <a:prstGeom prst="rect">
             <a:avLst/>
@@ -10845,7 +10845,7 @@
         <p:spPr>
           <a:xfrm>
             <a:off x="395640" y="293760"/>
-            <a:ext cx="8352360" cy="821160"/>
+            <a:ext cx="8352000" cy="820800"/>
           </a:xfrm>
           <a:prstGeom prst="rect">
             <a:avLst/>
@@ -10911,7 +10911,7 @@
         <p:spPr>
           <a:xfrm>
             <a:off x="1871640" y="-27360"/>
-            <a:ext cx="1908000" cy="1345680"/>
+            <a:ext cx="1907640" cy="1345320"/>
           </a:xfrm>
           <a:prstGeom prst="rect">
             <a:avLst/>
@@ -10934,7 +10934,7 @@
         <p:spPr>
           <a:xfrm>
             <a:off x="467640" y="1484640"/>
-            <a:ext cx="447840" cy="427680"/>
+            <a:ext cx="447480" cy="427320"/>
           </a:xfrm>
           <a:prstGeom prst="rect">
             <a:avLst/>
@@ -10953,7 +10953,7 @@
         <p:spPr>
           <a:xfrm>
             <a:off x="6553080" y="6356520"/>
-            <a:ext cx="2133000" cy="364320"/>
+            <a:ext cx="2132640" cy="363960"/>
           </a:xfrm>
           <a:prstGeom prst="rect">
             <a:avLst/>
@@ -10979,7 +10979,7 @@
         <p:spPr>
           <a:xfrm>
             <a:off x="1043640" y="2061000"/>
-            <a:ext cx="7416000" cy="1187280"/>
+            <a:ext cx="7415640" cy="1186920"/>
           </a:xfrm>
           <a:prstGeom prst="rect">
             <a:avLst/>
@@ -11206,7 +11206,7 @@
         <p:spPr>
           <a:xfrm>
             <a:off x="1043640" y="3994560"/>
-            <a:ext cx="7632000" cy="821520"/>
+            <a:ext cx="7631640" cy="821160"/>
           </a:xfrm>
           <a:prstGeom prst="rect">
             <a:avLst/>
@@ -11328,7 +11328,7 @@
         <p:spPr>
           <a:xfrm>
             <a:off x="1043640" y="1508760"/>
-            <a:ext cx="7128000" cy="516600"/>
+            <a:ext cx="7127640" cy="516240"/>
           </a:xfrm>
           <a:prstGeom prst="rect">
             <a:avLst/>
@@ -11409,7 +11409,7 @@
         <p:spPr>
           <a:xfrm>
             <a:off x="2267640" y="5157360"/>
-            <a:ext cx="4647600" cy="595080"/>
+            <a:ext cx="4647240" cy="594720"/>
           </a:xfrm>
           <a:prstGeom prst="rect">
             <a:avLst/>
@@ -11477,7 +11477,7 @@
         <p:spPr>
           <a:xfrm>
             <a:off x="0" y="80640"/>
-            <a:ext cx="9143280" cy="1223280"/>
+            <a:ext cx="9142920" cy="1222920"/>
           </a:xfrm>
           <a:prstGeom prst="rect">
             <a:avLst/>
@@ -11517,7 +11517,7 @@
         <p:spPr>
           <a:xfrm>
             <a:off x="3326760" y="277200"/>
-            <a:ext cx="2489760" cy="821160"/>
+            <a:ext cx="2489400" cy="820800"/>
           </a:xfrm>
           <a:prstGeom prst="rect">
             <a:avLst/>
@@ -11583,7 +11583,7 @@
         <p:spPr>
           <a:xfrm>
             <a:off x="1871640" y="-27360"/>
-            <a:ext cx="1908000" cy="1345680"/>
+            <a:ext cx="1907640" cy="1345320"/>
           </a:xfrm>
           <a:prstGeom prst="rect">
             <a:avLst/>
@@ -11602,7 +11602,7 @@
         <p:spPr>
           <a:xfrm>
             <a:off x="6553080" y="6356520"/>
-            <a:ext cx="2133000" cy="364320"/>
+            <a:ext cx="2132640" cy="363960"/>
           </a:xfrm>
           <a:prstGeom prst="rect">
             <a:avLst/>
@@ -11628,7 +11628,7 @@
         <p:spPr>
           <a:xfrm>
             <a:off x="457200" y="1600200"/>
-            <a:ext cx="8228880" cy="4636440"/>
+            <a:ext cx="8228520" cy="4636080"/>
           </a:xfrm>
           <a:prstGeom prst="rect">
             <a:avLst/>
@@ -11647,7 +11647,7 @@
         <p:txBody>
           <a:bodyPr lIns="90000" rIns="90000" tIns="45000" bIns="45000"/>
           <a:p>
-            <a:pPr marL="457200" indent="-456480">
+            <a:pPr marL="457200" indent="-456120">
               <a:lnSpc>
                 <a:spcPct val="100000"/>
               </a:lnSpc>
@@ -11685,7 +11685,7 @@
             </a:endParaRPr>
           </a:p>
           <a:p>
-            <a:pPr marL="457200" indent="-456480">
+            <a:pPr marL="457200" indent="-456120">
               <a:lnSpc>
                 <a:spcPct val="100000"/>
               </a:lnSpc>
@@ -11753,7 +11753,7 @@
             </a:endParaRPr>
           </a:p>
           <a:p>
-            <a:pPr marL="457200" indent="-456480">
+            <a:pPr marL="457200" indent="-456120">
               <a:lnSpc>
                 <a:spcPct val="100000"/>
               </a:lnSpc>
@@ -11831,7 +11831,7 @@
         <p:spPr>
           <a:xfrm>
             <a:off x="486360" y="3469680"/>
-            <a:ext cx="4801320" cy="3016080"/>
+            <a:ext cx="4800960" cy="3015720"/>
           </a:xfrm>
           <a:prstGeom prst="rect">
             <a:avLst/>
@@ -12098,7 +12098,7 @@
         <p:spPr>
           <a:xfrm>
             <a:off x="6156000" y="4077000"/>
-            <a:ext cx="2639520" cy="503280"/>
+            <a:ext cx="2639160" cy="502920"/>
           </a:xfrm>
           <a:prstGeom prst="rect">
             <a:avLst/>
@@ -12117,7 +12117,7 @@
         <p:spPr>
           <a:xfrm>
             <a:off x="6287400" y="3588840"/>
-            <a:ext cx="1206360" cy="364320"/>
+            <a:ext cx="1206000" cy="363960"/>
           </a:xfrm>
           <a:prstGeom prst="rect">
             <a:avLst/>
@@ -12243,7 +12243,7 @@
         <p:spPr>
           <a:xfrm>
             <a:off x="0" y="80640"/>
-            <a:ext cx="9143280" cy="1223280"/>
+            <a:ext cx="9142920" cy="1222920"/>
           </a:xfrm>
           <a:prstGeom prst="rect">
             <a:avLst/>
@@ -12283,7 +12283,7 @@
         <p:spPr>
           <a:xfrm>
             <a:off x="3326760" y="277200"/>
-            <a:ext cx="2489760" cy="821160"/>
+            <a:ext cx="2489400" cy="820800"/>
           </a:xfrm>
           <a:prstGeom prst="rect">
             <a:avLst/>
@@ -12349,7 +12349,7 @@
         <p:spPr>
           <a:xfrm>
             <a:off x="1871640" y="-27360"/>
-            <a:ext cx="1908000" cy="1345680"/>
+            <a:ext cx="1907640" cy="1345320"/>
           </a:xfrm>
           <a:prstGeom prst="rect">
             <a:avLst/>
@@ -12368,7 +12368,7 @@
         <p:spPr>
           <a:xfrm>
             <a:off x="6553080" y="6356520"/>
-            <a:ext cx="2133000" cy="364320"/>
+            <a:ext cx="2132640" cy="363960"/>
           </a:xfrm>
           <a:prstGeom prst="rect">
             <a:avLst/>
@@ -12394,7 +12394,7 @@
         <p:spPr>
           <a:xfrm>
             <a:off x="457200" y="1600200"/>
-            <a:ext cx="8228880" cy="4636440"/>
+            <a:ext cx="8228520" cy="4636080"/>
           </a:xfrm>
           <a:prstGeom prst="rect">
             <a:avLst/>
@@ -12413,7 +12413,7 @@
         <p:txBody>
           <a:bodyPr lIns="90000" rIns="90000" tIns="45000" bIns="45000"/>
           <a:p>
-            <a:pPr marL="457200" indent="-456480">
+            <a:pPr marL="457200" indent="-456120">
               <a:lnSpc>
                 <a:spcPct val="100000"/>
               </a:lnSpc>
@@ -12491,7 +12491,7 @@
         <p:spPr>
           <a:xfrm>
             <a:off x="39240" y="3305160"/>
-            <a:ext cx="5923080" cy="3381840"/>
+            <a:ext cx="5922720" cy="3381480"/>
           </a:xfrm>
           <a:prstGeom prst="rect">
             <a:avLst/>
@@ -12877,7 +12877,7 @@
         <p:spPr>
           <a:xfrm>
             <a:off x="6287400" y="3588840"/>
-            <a:ext cx="1206360" cy="364320"/>
+            <a:ext cx="1206000" cy="363960"/>
           </a:xfrm>
           <a:prstGeom prst="rect">
             <a:avLst/>
@@ -12958,7 +12958,7 @@
         <p:spPr>
           <a:xfrm>
             <a:off x="5580000" y="4336920"/>
-            <a:ext cx="3314160" cy="675720"/>
+            <a:ext cx="3313800" cy="675360"/>
           </a:xfrm>
           <a:prstGeom prst="rect">
             <a:avLst/>
@@ -12981,7 +12981,7 @@
         <p:spPr>
           <a:xfrm>
             <a:off x="5699160" y="5013360"/>
-            <a:ext cx="3075840" cy="666000"/>
+            <a:ext cx="3075480" cy="665640"/>
           </a:xfrm>
           <a:prstGeom prst="rect">
             <a:avLst/>
@@ -13049,7 +13049,7 @@
         <p:spPr>
           <a:xfrm>
             <a:off x="0" y="80640"/>
-            <a:ext cx="9143280" cy="1223280"/>
+            <a:ext cx="9142920" cy="1222920"/>
           </a:xfrm>
           <a:prstGeom prst="rect">
             <a:avLst/>
@@ -13089,7 +13089,7 @@
         <p:spPr>
           <a:xfrm>
             <a:off x="3326760" y="277200"/>
-            <a:ext cx="2489760" cy="821160"/>
+            <a:ext cx="2489400" cy="820800"/>
           </a:xfrm>
           <a:prstGeom prst="rect">
             <a:avLst/>
@@ -13155,7 +13155,7 @@
         <p:spPr>
           <a:xfrm>
             <a:off x="1871640" y="-27360"/>
-            <a:ext cx="1908000" cy="1345680"/>
+            <a:ext cx="1907640" cy="1345320"/>
           </a:xfrm>
           <a:prstGeom prst="rect">
             <a:avLst/>
@@ -13174,7 +13174,7 @@
         <p:spPr>
           <a:xfrm>
             <a:off x="6553080" y="6356520"/>
-            <a:ext cx="2133000" cy="364320"/>
+            <a:ext cx="2132640" cy="363960"/>
           </a:xfrm>
           <a:prstGeom prst="rect">
             <a:avLst/>
@@ -13200,7 +13200,7 @@
         <p:spPr>
           <a:xfrm>
             <a:off x="457200" y="1600200"/>
-            <a:ext cx="8228880" cy="4636440"/>
+            <a:ext cx="8228520" cy="4636080"/>
           </a:xfrm>
           <a:prstGeom prst="rect">
             <a:avLst/>
@@ -13219,7 +13219,7 @@
         <p:txBody>
           <a:bodyPr lIns="90000" rIns="90000" tIns="45000" bIns="45000"/>
           <a:p>
-            <a:pPr marL="457200" indent="-456480">
+            <a:pPr marL="457200" indent="-456120">
               <a:lnSpc>
                 <a:spcPct val="100000"/>
               </a:lnSpc>
@@ -13447,7 +13447,7 @@
         <p:spPr>
           <a:xfrm>
             <a:off x="266760" y="3305160"/>
-            <a:ext cx="5187600" cy="3747600"/>
+            <a:ext cx="5187240" cy="3747240"/>
           </a:xfrm>
           <a:prstGeom prst="rect">
             <a:avLst/>
@@ -13881,7 +13881,7 @@
         <p:spPr>
           <a:xfrm>
             <a:off x="6287400" y="3588840"/>
-            <a:ext cx="1206360" cy="364320"/>
+            <a:ext cx="1206000" cy="363960"/>
           </a:xfrm>
           <a:prstGeom prst="rect">
             <a:avLst/>
@@ -13962,7 +13962,7 @@
         <p:spPr>
           <a:xfrm>
             <a:off x="5608800" y="4077000"/>
-            <a:ext cx="3190320" cy="685080"/>
+            <a:ext cx="3189960" cy="684720"/>
           </a:xfrm>
           <a:prstGeom prst="rect">
             <a:avLst/>
@@ -13985,7 +13985,7 @@
         <p:spPr>
           <a:xfrm>
             <a:off x="5607000" y="4677480"/>
-            <a:ext cx="3199680" cy="761400"/>
+            <a:ext cx="3199320" cy="761040"/>
           </a:xfrm>
           <a:prstGeom prst="rect">
             <a:avLst/>
@@ -14053,7 +14053,7 @@
         <p:spPr>
           <a:xfrm>
             <a:off x="0" y="80640"/>
-            <a:ext cx="9143280" cy="1223280"/>
+            <a:ext cx="9142920" cy="1222920"/>
           </a:xfrm>
           <a:prstGeom prst="rect">
             <a:avLst/>
@@ -14093,7 +14093,7 @@
         <p:spPr>
           <a:xfrm>
             <a:off x="3083760" y="277200"/>
-            <a:ext cx="2975760" cy="821160"/>
+            <a:ext cx="2975400" cy="820800"/>
           </a:xfrm>
           <a:prstGeom prst="rect">
             <a:avLst/>
@@ -14159,7 +14159,7 @@
         <p:spPr>
           <a:xfrm>
             <a:off x="1871640" y="-27360"/>
-            <a:ext cx="1908000" cy="1345680"/>
+            <a:ext cx="1907640" cy="1345320"/>
           </a:xfrm>
           <a:prstGeom prst="rect">
             <a:avLst/>
@@ -14178,7 +14178,7 @@
         <p:spPr>
           <a:xfrm>
             <a:off x="6553080" y="6356520"/>
-            <a:ext cx="2133000" cy="364320"/>
+            <a:ext cx="2132640" cy="363960"/>
           </a:xfrm>
           <a:prstGeom prst="rect">
             <a:avLst/>
@@ -14204,7 +14204,7 @@
         <p:spPr>
           <a:xfrm>
             <a:off x="457200" y="1600200"/>
-            <a:ext cx="8228880" cy="4636440"/>
+            <a:ext cx="8228520" cy="4636080"/>
           </a:xfrm>
           <a:prstGeom prst="rect">
             <a:avLst/>
@@ -14223,7 +14223,7 @@
         <p:txBody>
           <a:bodyPr lIns="90000" rIns="90000" tIns="45000" bIns="45000"/>
           <a:p>
-            <a:pPr marL="457200" indent="-456480">
+            <a:pPr marL="457200" indent="-456120">
               <a:lnSpc>
                 <a:spcPct val="100000"/>
               </a:lnSpc>
@@ -14291,7 +14291,7 @@
             </a:endParaRPr>
           </a:p>
           <a:p>
-            <a:pPr marL="457200" indent="-456480">
+            <a:pPr marL="457200" indent="-456120">
               <a:lnSpc>
                 <a:spcPct val="100000"/>
               </a:lnSpc>
@@ -14399,7 +14399,7 @@
         <p:spPr>
           <a:xfrm>
             <a:off x="495720" y="3024000"/>
-            <a:ext cx="6029280" cy="4112640"/>
+            <a:ext cx="6028920" cy="4112280"/>
           </a:xfrm>
           <a:prstGeom prst="rect">
             <a:avLst/>
@@ -14724,7 +14724,7 @@
                 <a:latin typeface="Calibri"/>
                 <a:ea typeface="DejaVu Sans"/>
               </a:rPr>
-              <a:t>int [][] b = { {0, 0, 0}, {0, 0, 0}, {0, 0, 0} };</a:t>
+              <a:t>int [][] c = { {0, 0, 0}, {0, 0, 0}, {0, 0, 0} };</a:t>
             </a:r>
             <a:endParaRPr b="0" lang="en-US" sz="1800" spc="-1" strike="noStrike">
               <a:solidFill>
@@ -14956,7 +14956,7 @@
         <p:spPr>
           <a:xfrm>
             <a:off x="6287400" y="3588840"/>
-            <a:ext cx="1206360" cy="364320"/>
+            <a:ext cx="1206000" cy="363960"/>
           </a:xfrm>
           <a:prstGeom prst="rect">
             <a:avLst/>
@@ -15037,7 +15037,7 @@
         <p:spPr>
           <a:xfrm>
             <a:off x="6934320" y="3935520"/>
-            <a:ext cx="1370880" cy="2323440"/>
+            <a:ext cx="1370520" cy="2323080"/>
           </a:xfrm>
           <a:prstGeom prst="rect">
             <a:avLst/>
@@ -15056,7 +15056,7 @@
         <p:spPr>
           <a:xfrm>
             <a:off x="6153840" y="720000"/>
-            <a:ext cx="2917800" cy="455760"/>
+            <a:ext cx="2917440" cy="455400"/>
           </a:xfrm>
           <a:prstGeom prst="rect">
             <a:avLst/>
@@ -15197,7 +15197,7 @@
         <p:spPr>
           <a:xfrm>
             <a:off x="-29880" y="0"/>
-            <a:ext cx="9173160" cy="6857280"/>
+            <a:ext cx="9172800" cy="6856920"/>
           </a:xfrm>
           <a:prstGeom prst="rect">
             <a:avLst/>
@@ -15308,7 +15308,7 @@
         <p:spPr>
           <a:xfrm>
             <a:off x="-34560" y="44640"/>
-            <a:ext cx="9143280" cy="1223280"/>
+            <a:ext cx="9142920" cy="1222920"/>
           </a:xfrm>
           <a:prstGeom prst="rect">
             <a:avLst/>
@@ -15388,7 +15388,7 @@
         <p:spPr>
           <a:xfrm>
             <a:off x="395640" y="293760"/>
-            <a:ext cx="8352360" cy="821160"/>
+            <a:ext cx="8352000" cy="820800"/>
           </a:xfrm>
           <a:prstGeom prst="rect">
             <a:avLst/>
@@ -15454,7 +15454,7 @@
         <p:spPr>
           <a:xfrm>
             <a:off x="1871640" y="-27360"/>
-            <a:ext cx="1908000" cy="1345680"/>
+            <a:ext cx="1907640" cy="1345320"/>
           </a:xfrm>
           <a:prstGeom prst="rect">
             <a:avLst/>
@@ -15477,7 +15477,7 @@
         <p:spPr>
           <a:xfrm>
             <a:off x="467640" y="1484640"/>
-            <a:ext cx="447840" cy="427680"/>
+            <a:ext cx="447480" cy="427320"/>
           </a:xfrm>
           <a:prstGeom prst="rect">
             <a:avLst/>
@@ -15496,7 +15496,7 @@
         <p:spPr>
           <a:xfrm>
             <a:off x="6553080" y="6356520"/>
-            <a:ext cx="2133000" cy="364320"/>
+            <a:ext cx="2132640" cy="363960"/>
           </a:xfrm>
           <a:prstGeom prst="rect">
             <a:avLst/>
@@ -15522,7 +15522,7 @@
         <p:spPr>
           <a:xfrm>
             <a:off x="1043640" y="1508760"/>
-            <a:ext cx="7128000" cy="516600"/>
+            <a:ext cx="7127640" cy="516240"/>
           </a:xfrm>
           <a:prstGeom prst="rect">
             <a:avLst/>
@@ -15618,7 +15618,7 @@
         <p:spPr>
           <a:xfrm>
             <a:off x="1274760" y="2271960"/>
-            <a:ext cx="6665760" cy="2457000"/>
+            <a:ext cx="6665400" cy="2456640"/>
           </a:xfrm>
           <a:prstGeom prst="rect">
             <a:avLst/>
@@ -15641,7 +15641,7 @@
         <p:spPr>
           <a:xfrm>
             <a:off x="1274760" y="4645800"/>
-            <a:ext cx="6665760" cy="1565640"/>
+            <a:ext cx="6665400" cy="1565280"/>
           </a:xfrm>
           <a:prstGeom prst="rect">
             <a:avLst/>
@@ -15709,7 +15709,7 @@
         <p:spPr>
           <a:xfrm>
             <a:off x="-34560" y="44640"/>
-            <a:ext cx="9143280" cy="1223280"/>
+            <a:ext cx="9142920" cy="1222920"/>
           </a:xfrm>
           <a:prstGeom prst="rect">
             <a:avLst/>
@@ -15789,7 +15789,7 @@
         <p:spPr>
           <a:xfrm>
             <a:off x="395640" y="293760"/>
-            <a:ext cx="8352360" cy="821160"/>
+            <a:ext cx="8352000" cy="820800"/>
           </a:xfrm>
           <a:prstGeom prst="rect">
             <a:avLst/>
@@ -15855,7 +15855,7 @@
         <p:spPr>
           <a:xfrm>
             <a:off x="1871640" y="-27360"/>
-            <a:ext cx="1908000" cy="1345680"/>
+            <a:ext cx="1907640" cy="1345320"/>
           </a:xfrm>
           <a:prstGeom prst="rect">
             <a:avLst/>
@@ -15878,7 +15878,7 @@
         <p:spPr>
           <a:xfrm>
             <a:off x="467640" y="1484640"/>
-            <a:ext cx="447840" cy="427680"/>
+            <a:ext cx="447480" cy="427320"/>
           </a:xfrm>
           <a:prstGeom prst="rect">
             <a:avLst/>
@@ -15897,7 +15897,7 @@
         <p:spPr>
           <a:xfrm>
             <a:off x="6553080" y="6356520"/>
-            <a:ext cx="2133000" cy="364320"/>
+            <a:ext cx="2132640" cy="363960"/>
           </a:xfrm>
           <a:prstGeom prst="rect">
             <a:avLst/>
@@ -15923,7 +15923,7 @@
         <p:spPr>
           <a:xfrm>
             <a:off x="1043640" y="1508760"/>
-            <a:ext cx="7128000" cy="516600"/>
+            <a:ext cx="7127640" cy="516240"/>
           </a:xfrm>
           <a:prstGeom prst="rect">
             <a:avLst/>
@@ -16019,7 +16019,7 @@
         <p:spPr>
           <a:xfrm>
             <a:off x="1643760" y="2151000"/>
-            <a:ext cx="5927400" cy="1627200"/>
+            <a:ext cx="5927040" cy="1626840"/>
           </a:xfrm>
           <a:prstGeom prst="rect">
             <a:avLst/>
@@ -16042,7 +16042,7 @@
         <p:spPr>
           <a:xfrm>
             <a:off x="1643760" y="3728160"/>
-            <a:ext cx="5927400" cy="2483280"/>
+            <a:ext cx="5927040" cy="2482920"/>
           </a:xfrm>
           <a:prstGeom prst="rect">
             <a:avLst/>
@@ -16110,7 +16110,7 @@
         <p:spPr>
           <a:xfrm>
             <a:off x="0" y="80640"/>
-            <a:ext cx="9143280" cy="1223280"/>
+            <a:ext cx="9142920" cy="1222920"/>
           </a:xfrm>
           <a:prstGeom prst="rect">
             <a:avLst/>
@@ -16190,7 +16190,7 @@
         <p:spPr>
           <a:xfrm>
             <a:off x="395640" y="293760"/>
-            <a:ext cx="8352360" cy="821160"/>
+            <a:ext cx="8352000" cy="820800"/>
           </a:xfrm>
           <a:prstGeom prst="rect">
             <a:avLst/>
@@ -16256,7 +16256,7 @@
         <p:spPr>
           <a:xfrm>
             <a:off x="1871640" y="-27360"/>
-            <a:ext cx="1908000" cy="1345680"/>
+            <a:ext cx="1907640" cy="1345320"/>
           </a:xfrm>
           <a:prstGeom prst="rect">
             <a:avLst/>
@@ -16279,7 +16279,7 @@
         <p:spPr>
           <a:xfrm>
             <a:off x="467640" y="1484640"/>
-            <a:ext cx="447840" cy="427680"/>
+            <a:ext cx="447480" cy="427320"/>
           </a:xfrm>
           <a:prstGeom prst="rect">
             <a:avLst/>
@@ -16298,7 +16298,7 @@
         <p:spPr>
           <a:xfrm>
             <a:off x="6553080" y="6356520"/>
-            <a:ext cx="2133000" cy="364320"/>
+            <a:ext cx="2132640" cy="363960"/>
           </a:xfrm>
           <a:prstGeom prst="rect">
             <a:avLst/>
@@ -16324,7 +16324,7 @@
         <p:spPr>
           <a:xfrm>
             <a:off x="1043640" y="2061000"/>
-            <a:ext cx="7416000" cy="821520"/>
+            <a:ext cx="7415640" cy="821160"/>
           </a:xfrm>
           <a:prstGeom prst="rect">
             <a:avLst/>
@@ -16386,7 +16386,7 @@
         <p:spPr>
           <a:xfrm>
             <a:off x="1043640" y="1508760"/>
-            <a:ext cx="7128000" cy="516600"/>
+            <a:ext cx="7127640" cy="516240"/>
           </a:xfrm>
           <a:prstGeom prst="rect">
             <a:avLst/>
@@ -16452,7 +16452,7 @@
         <p:spPr>
           <a:xfrm>
             <a:off x="1495800" y="3285000"/>
-            <a:ext cx="6512040" cy="2447640"/>
+            <a:ext cx="6511680" cy="2447280"/>
           </a:xfrm>
           <a:prstGeom prst="rect">
             <a:avLst/>
@@ -16520,7 +16520,7 @@
         <p:spPr>
           <a:xfrm>
             <a:off x="0" y="80640"/>
-            <a:ext cx="9143280" cy="1223280"/>
+            <a:ext cx="9142920" cy="1222920"/>
           </a:xfrm>
           <a:prstGeom prst="rect">
             <a:avLst/>
@@ -16600,7 +16600,7 @@
         <p:spPr>
           <a:xfrm>
             <a:off x="395640" y="293760"/>
-            <a:ext cx="8352360" cy="821160"/>
+            <a:ext cx="8352000" cy="820800"/>
           </a:xfrm>
           <a:prstGeom prst="rect">
             <a:avLst/>
@@ -16666,7 +16666,7 @@
         <p:spPr>
           <a:xfrm>
             <a:off x="1871640" y="-27360"/>
-            <a:ext cx="1908000" cy="1345680"/>
+            <a:ext cx="1907640" cy="1345320"/>
           </a:xfrm>
           <a:prstGeom prst="rect">
             <a:avLst/>
@@ -16689,7 +16689,7 @@
         <p:spPr>
           <a:xfrm>
             <a:off x="467640" y="1484640"/>
-            <a:ext cx="447840" cy="427680"/>
+            <a:ext cx="447480" cy="427320"/>
           </a:xfrm>
           <a:prstGeom prst="rect">
             <a:avLst/>
@@ -16708,7 +16708,7 @@
         <p:spPr>
           <a:xfrm>
             <a:off x="6553080" y="6356520"/>
-            <a:ext cx="2133000" cy="364320"/>
+            <a:ext cx="2132640" cy="363960"/>
           </a:xfrm>
           <a:prstGeom prst="rect">
             <a:avLst/>
@@ -16734,7 +16734,7 @@
         <p:spPr>
           <a:xfrm>
             <a:off x="1043640" y="1508760"/>
-            <a:ext cx="7128000" cy="516600"/>
+            <a:ext cx="7127640" cy="516240"/>
           </a:xfrm>
           <a:prstGeom prst="rect">
             <a:avLst/>
@@ -16800,7 +16800,7 @@
         <p:spPr>
           <a:xfrm>
             <a:off x="720360" y="2117160"/>
-            <a:ext cx="6552360" cy="2904480"/>
+            <a:ext cx="6552000" cy="2904120"/>
           </a:xfrm>
           <a:prstGeom prst="rect">
             <a:avLst/>
@@ -16826,7 +16826,7 @@
         <p:spPr>
           <a:xfrm>
             <a:off x="312480" y="5320080"/>
-            <a:ext cx="1206360" cy="364320"/>
+            <a:ext cx="1206000" cy="363960"/>
           </a:xfrm>
           <a:prstGeom prst="rect">
             <a:avLst/>
@@ -16907,7 +16907,7 @@
         <p:spPr>
           <a:xfrm>
             <a:off x="1763640" y="5365800"/>
-            <a:ext cx="3285360" cy="990000"/>
+            <a:ext cx="3285000" cy="989640"/>
           </a:xfrm>
           <a:prstGeom prst="rect">
             <a:avLst/>
@@ -16982,7 +16982,7 @@
         <p:spPr>
           <a:xfrm>
             <a:off x="0" y="80640"/>
-            <a:ext cx="9143280" cy="1223280"/>
+            <a:ext cx="9142920" cy="1222920"/>
           </a:xfrm>
           <a:prstGeom prst="rect">
             <a:avLst/>
@@ -17062,7 +17062,7 @@
         <p:spPr>
           <a:xfrm>
             <a:off x="395640" y="293760"/>
-            <a:ext cx="8352360" cy="821160"/>
+            <a:ext cx="8352000" cy="820800"/>
           </a:xfrm>
           <a:prstGeom prst="rect">
             <a:avLst/>
@@ -17128,7 +17128,7 @@
         <p:spPr>
           <a:xfrm>
             <a:off x="1871640" y="-27360"/>
-            <a:ext cx="1908000" cy="1345680"/>
+            <a:ext cx="1907640" cy="1345320"/>
           </a:xfrm>
           <a:prstGeom prst="rect">
             <a:avLst/>
@@ -17151,7 +17151,7 @@
         <p:spPr>
           <a:xfrm>
             <a:off x="467640" y="1484640"/>
-            <a:ext cx="447840" cy="427680"/>
+            <a:ext cx="447480" cy="427320"/>
           </a:xfrm>
           <a:prstGeom prst="rect">
             <a:avLst/>
@@ -17170,7 +17170,7 @@
         <p:spPr>
           <a:xfrm>
             <a:off x="6553080" y="6356520"/>
-            <a:ext cx="2133000" cy="364320"/>
+            <a:ext cx="2132640" cy="363960"/>
           </a:xfrm>
           <a:prstGeom prst="rect">
             <a:avLst/>
@@ -17196,7 +17196,7 @@
         <p:spPr>
           <a:xfrm>
             <a:off x="1043640" y="1508760"/>
-            <a:ext cx="7128000" cy="516600"/>
+            <a:ext cx="7127640" cy="516240"/>
           </a:xfrm>
           <a:prstGeom prst="rect">
             <a:avLst/>
@@ -17262,7 +17262,7 @@
         <p:spPr>
           <a:xfrm>
             <a:off x="888480" y="2079000"/>
-            <a:ext cx="5274360" cy="1468080"/>
+            <a:ext cx="5274000" cy="1467720"/>
           </a:xfrm>
           <a:prstGeom prst="rect">
             <a:avLst/>
@@ -17285,7 +17285,7 @@
         <p:spPr>
           <a:xfrm>
             <a:off x="2294280" y="3357000"/>
-            <a:ext cx="5274360" cy="3600720"/>
+            <a:ext cx="5274000" cy="3600360"/>
           </a:xfrm>
           <a:prstGeom prst="rect">
             <a:avLst/>
@@ -17353,7 +17353,7 @@
         <p:spPr>
           <a:xfrm>
             <a:off x="0" y="80640"/>
-            <a:ext cx="9143280" cy="1223280"/>
+            <a:ext cx="9142920" cy="1222920"/>
           </a:xfrm>
           <a:prstGeom prst="rect">
             <a:avLst/>
@@ -17433,7 +17433,7 @@
         <p:spPr>
           <a:xfrm>
             <a:off x="395640" y="293760"/>
-            <a:ext cx="8352360" cy="821160"/>
+            <a:ext cx="8352000" cy="820800"/>
           </a:xfrm>
           <a:prstGeom prst="rect">
             <a:avLst/>
@@ -17499,7 +17499,7 @@
         <p:spPr>
           <a:xfrm>
             <a:off x="1871640" y="-27360"/>
-            <a:ext cx="1908000" cy="1345680"/>
+            <a:ext cx="1907640" cy="1345320"/>
           </a:xfrm>
           <a:prstGeom prst="rect">
             <a:avLst/>
@@ -17522,7 +17522,7 @@
         <p:spPr>
           <a:xfrm>
             <a:off x="467640" y="1484640"/>
-            <a:ext cx="447840" cy="427680"/>
+            <a:ext cx="447480" cy="427320"/>
           </a:xfrm>
           <a:prstGeom prst="rect">
             <a:avLst/>
@@ -17541,7 +17541,7 @@
         <p:spPr>
           <a:xfrm>
             <a:off x="6553080" y="6356520"/>
-            <a:ext cx="2133000" cy="364320"/>
+            <a:ext cx="2132640" cy="363960"/>
           </a:xfrm>
           <a:prstGeom prst="rect">
             <a:avLst/>
@@ -17567,7 +17567,7 @@
         <p:spPr>
           <a:xfrm>
             <a:off x="1043640" y="1508760"/>
-            <a:ext cx="7128000" cy="516600"/>
+            <a:ext cx="7127640" cy="516240"/>
           </a:xfrm>
           <a:prstGeom prst="rect">
             <a:avLst/>
@@ -17629,7 +17629,7 @@
         <p:spPr>
           <a:xfrm>
             <a:off x="312480" y="5320080"/>
-            <a:ext cx="1206360" cy="364320"/>
+            <a:ext cx="1206000" cy="363960"/>
           </a:xfrm>
           <a:prstGeom prst="rect">
             <a:avLst/>
@@ -17710,7 +17710,7 @@
         <p:spPr>
           <a:xfrm>
             <a:off x="1043640" y="1946880"/>
-            <a:ext cx="6590520" cy="3123360"/>
+            <a:ext cx="6590160" cy="3123000"/>
           </a:xfrm>
           <a:prstGeom prst="rect">
             <a:avLst/>
@@ -17740,7 +17740,7 @@
         <p:spPr>
           <a:xfrm>
             <a:off x="1645920" y="5727240"/>
-            <a:ext cx="3285360" cy="504000"/>
+            <a:ext cx="3285000" cy="503640"/>
           </a:xfrm>
           <a:prstGeom prst="rect">
             <a:avLst/>
@@ -17815,7 +17815,7 @@
         <p:spPr>
           <a:xfrm>
             <a:off x="0" y="80640"/>
-            <a:ext cx="9143280" cy="1223280"/>
+            <a:ext cx="9142920" cy="1222920"/>
           </a:xfrm>
           <a:prstGeom prst="rect">
             <a:avLst/>
@@ -17855,7 +17855,7 @@
         <p:spPr>
           <a:xfrm>
             <a:off x="3481200" y="277200"/>
-            <a:ext cx="2180160" cy="821160"/>
+            <a:ext cx="2179800" cy="820800"/>
           </a:xfrm>
           <a:prstGeom prst="rect">
             <a:avLst/>
@@ -17921,7 +17921,7 @@
         <p:spPr>
           <a:xfrm>
             <a:off x="1871640" y="-27360"/>
-            <a:ext cx="1908000" cy="1345680"/>
+            <a:ext cx="1907640" cy="1345320"/>
           </a:xfrm>
           <a:prstGeom prst="rect">
             <a:avLst/>
@@ -17940,7 +17940,7 @@
         <p:spPr>
           <a:xfrm>
             <a:off x="6553080" y="6356520"/>
-            <a:ext cx="2133000" cy="364320"/>
+            <a:ext cx="2132640" cy="363960"/>
           </a:xfrm>
           <a:prstGeom prst="rect">
             <a:avLst/>
@@ -17966,7 +17966,7 @@
         <p:spPr>
           <a:xfrm>
             <a:off x="457200" y="1600200"/>
-            <a:ext cx="8228880" cy="4636440"/>
+            <a:ext cx="8228520" cy="4636080"/>
           </a:xfrm>
           <a:prstGeom prst="rect">
             <a:avLst/>
@@ -17985,7 +17985,7 @@
         <p:txBody>
           <a:bodyPr lIns="90000" rIns="90000" tIns="45000" bIns="45000"/>
           <a:p>
-            <a:pPr marL="457200" indent="-456480">
+            <a:pPr marL="457200" indent="-456120">
               <a:lnSpc>
                 <a:spcPct val="100000"/>
               </a:lnSpc>
@@ -18083,7 +18083,7 @@
             </a:endParaRPr>
           </a:p>
           <a:p>
-            <a:pPr marL="457200" indent="-456480">
+            <a:pPr marL="457200" indent="-456120">
               <a:lnSpc>
                 <a:spcPct val="100000"/>
               </a:lnSpc>
@@ -18181,7 +18181,7 @@
             </a:endParaRPr>
           </a:p>
           <a:p>
-            <a:pPr marL="457200" indent="-456480">
+            <a:pPr marL="457200" indent="-456120">
               <a:lnSpc>
                 <a:spcPct val="100000"/>
               </a:lnSpc>
@@ -18289,7 +18289,7 @@
         <p:spPr>
           <a:xfrm>
             <a:off x="481320" y="3469680"/>
-            <a:ext cx="5432760" cy="3381840"/>
+            <a:ext cx="5432400" cy="3381480"/>
           </a:xfrm>
           <a:prstGeom prst="rect">
             <a:avLst/>
@@ -18705,7 +18705,7 @@
         <p:spPr>
           <a:xfrm>
             <a:off x="6287400" y="3588840"/>
-            <a:ext cx="1206360" cy="364320"/>
+            <a:ext cx="1206000" cy="363960"/>
           </a:xfrm>
           <a:prstGeom prst="rect">
             <a:avLst/>
@@ -18786,7 +18786,7 @@
         <p:spPr>
           <a:xfrm>
             <a:off x="5868000" y="4041720"/>
-            <a:ext cx="2554200" cy="647280"/>
+            <a:ext cx="2553840" cy="646920"/>
           </a:xfrm>
           <a:prstGeom prst="rect">
             <a:avLst/>
